--- a/CYBER360-5.1-Registry.pptx
+++ b/CYBER360-5.1-Registry.pptx
@@ -116,14 +116,6 @@
 </p:presentation>
 </file>
 
-<file path=ppt/revisionInfo.xml><?xml version="1.0" encoding="utf-8"?>
-<p1510:revInfo xmlns:a="http://schemas.openxmlformats.org/drawingml/2006/main" xmlns:r="http://schemas.openxmlformats.org/officeDocument/2006/relationships" xmlns:p1510="http://schemas.microsoft.com/office/powerpoint/2015/10/main">
-  <p1510:revLst>
-    <p1510:client id="{6DFE05B7-7BB4-417C-8826-34A6C37E3109}" v="7" dt="2024-02-11T00:28:12.674"/>
-  </p1510:revLst>
-</p1510:revInfo>
-</file>
-
 <file path=ppt/changesInfos/changesInfo1.xml><?xml version="1.0" encoding="utf-8"?>
 <pc:chgInfo xmlns:a="http://schemas.openxmlformats.org/drawingml/2006/main" xmlns:r="http://schemas.openxmlformats.org/officeDocument/2006/relationships" xmlns:ac="http://schemas.microsoft.com/office/drawing/2013/main/command" xmlns:pc="http://schemas.microsoft.com/office/powerpoint/2013/main/command">
   <pc:docChgLst>
@@ -1527,6 +1519,30 @@
             <pc:docMk/>
             <pc:sldMk cId="3633122843" sldId="299"/>
             <ac:spMk id="3" creationId="{B5924E0F-A977-1710-779D-EEB74261AF34}"/>
+          </ac:spMkLst>
+        </pc:spChg>
+      </pc:sldChg>
+    </pc:docChg>
+  </pc:docChgLst>
+  <pc:docChgLst>
+    <pc:chgData name="Gibbons, Carl" userId="d2b037bc-8fb4-4222-845c-61440543a456" providerId="ADAL" clId="{33E8A1E9-2F6E-4355-9466-601E06534531}"/>
+    <pc:docChg chg="modSld">
+      <pc:chgData name="Gibbons, Carl" userId="d2b037bc-8fb4-4222-845c-61440543a456" providerId="ADAL" clId="{33E8A1E9-2F6E-4355-9466-601E06534531}" dt="2024-06-11T14:21:09.506" v="0" actId="20577"/>
+      <pc:docMkLst>
+        <pc:docMk/>
+      </pc:docMkLst>
+      <pc:sldChg chg="modSp mod">
+        <pc:chgData name="Gibbons, Carl" userId="d2b037bc-8fb4-4222-845c-61440543a456" providerId="ADAL" clId="{33E8A1E9-2F6E-4355-9466-601E06534531}" dt="2024-06-11T14:21:09.506" v="0" actId="20577"/>
+        <pc:sldMkLst>
+          <pc:docMk/>
+          <pc:sldMk cId="538849350" sldId="263"/>
+        </pc:sldMkLst>
+        <pc:spChg chg="mod">
+          <ac:chgData name="Gibbons, Carl" userId="d2b037bc-8fb4-4222-845c-61440543a456" providerId="ADAL" clId="{33E8A1E9-2F6E-4355-9466-601E06534531}" dt="2024-06-11T14:21:09.506" v="0" actId="20577"/>
+          <ac:spMkLst>
+            <pc:docMk/>
+            <pc:sldMk cId="538849350" sldId="263"/>
+            <ac:spMk id="7" creationId="{729440C3-A558-AF83-79BF-585206231CA4}"/>
           </ac:spMkLst>
         </pc:spChg>
       </pc:sldChg>
@@ -3210,7 +3226,7 @@
           <a:p>
             <a:fld id="{421996D4-4A1C-4BBC-AA2B-FD5B7FC395A0}" type="datetime1">
               <a:rPr lang="en-US" smtClean="0"/>
-              <a:t>2/20/2024</a:t>
+              <a:t>6/11/2024</a:t>
             </a:fld>
             <a:endParaRPr lang="en-US"/>
           </a:p>
@@ -3408,7 +3424,7 @@
           <a:p>
             <a:fld id="{CB43818D-5554-4105-BE04-CEE32DEBDA0A}" type="datetime1">
               <a:rPr lang="en-US" smtClean="0"/>
-              <a:t>2/20/2024</a:t>
+              <a:t>6/11/2024</a:t>
             </a:fld>
             <a:endParaRPr lang="en-US"/>
           </a:p>
@@ -3616,7 +3632,7 @@
           <a:p>
             <a:fld id="{AFAC11C6-1708-41BC-9474-3D7842023D96}" type="datetime1">
               <a:rPr lang="en-US" smtClean="0"/>
-              <a:t>2/20/2024</a:t>
+              <a:t>6/11/2024</a:t>
             </a:fld>
             <a:endParaRPr lang="en-US"/>
           </a:p>
@@ -3895,7 +3911,7 @@
           <a:p>
             <a:fld id="{490605F8-8C86-41F5-9F5E-04EDB8C2540B}" type="datetime1">
               <a:rPr lang="en-US" smtClean="0"/>
-              <a:t>2/20/2024</a:t>
+              <a:t>6/11/2024</a:t>
             </a:fld>
             <a:endParaRPr lang="en-US"/>
           </a:p>
@@ -4170,7 +4186,7 @@
           <a:p>
             <a:fld id="{CA355DA2-1E89-41CC-B722-CBFC08F260AE}" type="datetime1">
               <a:rPr lang="en-US" smtClean="0"/>
-              <a:t>2/20/2024</a:t>
+              <a:t>6/11/2024</a:t>
             </a:fld>
             <a:endParaRPr lang="en-US"/>
           </a:p>
@@ -4435,7 +4451,7 @@
           <a:p>
             <a:fld id="{7F6AFD48-C472-404E-B7B5-BA44CCF2F55D}" type="datetime1">
               <a:rPr lang="en-US" smtClean="0"/>
-              <a:t>2/20/2024</a:t>
+              <a:t>6/11/2024</a:t>
             </a:fld>
             <a:endParaRPr lang="en-US"/>
           </a:p>
@@ -4847,7 +4863,7 @@
           <a:p>
             <a:fld id="{B33F52E9-9255-4CAF-909C-660126F1B079}" type="datetime1">
               <a:rPr lang="en-US" smtClean="0"/>
-              <a:t>2/20/2024</a:t>
+              <a:t>6/11/2024</a:t>
             </a:fld>
             <a:endParaRPr lang="en-US"/>
           </a:p>
@@ -4988,7 +5004,7 @@
           <a:p>
             <a:fld id="{67F9F019-D13C-4797-8A9F-7B02D5B8121E}" type="datetime1">
               <a:rPr lang="en-US" smtClean="0"/>
-              <a:t>2/20/2024</a:t>
+              <a:t>6/11/2024</a:t>
             </a:fld>
             <a:endParaRPr lang="en-US"/>
           </a:p>
@@ -5101,7 +5117,7 @@
           <a:p>
             <a:fld id="{FDA143B9-A6C4-436D-945A-FF5B3EA2EF39}" type="datetime1">
               <a:rPr lang="en-US" smtClean="0"/>
-              <a:t>2/20/2024</a:t>
+              <a:t>6/11/2024</a:t>
             </a:fld>
             <a:endParaRPr lang="en-US"/>
           </a:p>
@@ -5412,7 +5428,7 @@
           <a:p>
             <a:fld id="{457E18FE-B6F9-4F6A-835B-8251F04458A0}" type="datetime1">
               <a:rPr lang="en-US" smtClean="0"/>
-              <a:t>2/20/2024</a:t>
+              <a:t>6/11/2024</a:t>
             </a:fld>
             <a:endParaRPr lang="en-US"/>
           </a:p>
@@ -5700,7 +5716,7 @@
           <a:p>
             <a:fld id="{5F2690CE-112A-455B-AD5F-E26CEA6A5331}" type="datetime1">
               <a:rPr lang="en-US" smtClean="0"/>
-              <a:t>2/20/2024</a:t>
+              <a:t>6/11/2024</a:t>
             </a:fld>
             <a:endParaRPr lang="en-US"/>
           </a:p>
@@ -5941,7 +5957,7 @@
           <a:p>
             <a:fld id="{9C4E342D-98AB-407C-88D4-A20ED0F70E1C}" type="datetime1">
               <a:rPr lang="en-US" smtClean="0"/>
-              <a:t>2/20/2024</a:t>
+              <a:t>6/11/2024</a:t>
             </a:fld>
             <a:endParaRPr lang="en-US"/>
           </a:p>
@@ -6686,7 +6702,7 @@
               <a:rPr lang="en-US" dirty="0" err="1">
                 <a:latin typeface="Lucida Console" panose="020B0609040504020204" pitchFamily="49" charset="0"/>
               </a:rPr>
-              <a:t>PSDrives</a:t>
+              <a:t>PSDrive</a:t>
             </a:r>
             <a:endParaRPr lang="en-US" dirty="0">
               <a:latin typeface="Lucida Console" panose="020B0609040504020204" pitchFamily="49" charset="0"/>

--- a/CYBER360-5.1-Registry.pptx
+++ b/CYBER360-5.1-Registry.pptx
@@ -432,7 +432,7 @@
           <a:p>
             <a:fld id="{71087A05-F855-4434-8DDE-39A8542098A6}" type="datetimeFigureOut">
               <a:rPr lang="en-US" smtClean="0"/>
-              <a:t>11/21/2024</a:t>
+              <a:t>3/4/2025</a:t>
             </a:fld>
             <a:endParaRPr lang="en-US"/>
           </a:p>
@@ -670,7 +670,7 @@
           <a:p>
             <a:fld id="{71087A05-F855-4434-8DDE-39A8542098A6}" type="datetimeFigureOut">
               <a:rPr lang="en-US" smtClean="0"/>
-              <a:t>11/21/2024</a:t>
+              <a:t>3/4/2025</a:t>
             </a:fld>
             <a:endParaRPr lang="en-US"/>
           </a:p>
@@ -906,7 +906,7 @@
           <a:p>
             <a:fld id="{421996D4-4A1C-4BBC-AA2B-FD5B7FC395A0}" type="datetime1">
               <a:rPr lang="en-US" smtClean="0"/>
-              <a:t>11/21/2024</a:t>
+              <a:t>3/4/2025</a:t>
             </a:fld>
             <a:endParaRPr lang="en-US"/>
           </a:p>
@@ -1209,7 +1209,7 @@
           <a:p>
             <a:fld id="{71087A05-F855-4434-8DDE-39A8542098A6}" type="datetimeFigureOut">
               <a:rPr lang="en-US" smtClean="0"/>
-              <a:t>11/21/2024</a:t>
+              <a:t>3/4/2025</a:t>
             </a:fld>
             <a:endParaRPr lang="en-US"/>
           </a:p>
@@ -1514,7 +1514,7 @@
           <a:p>
             <a:fld id="{71087A05-F855-4434-8DDE-39A8542098A6}" type="datetimeFigureOut">
               <a:rPr lang="en-US" smtClean="0"/>
-              <a:t>11/21/2024</a:t>
+              <a:t>3/4/2025</a:t>
             </a:fld>
             <a:endParaRPr lang="en-US"/>
           </a:p>
@@ -1817,7 +1817,7 @@
           <a:p>
             <a:fld id="{71087A05-F855-4434-8DDE-39A8542098A6}" type="datetimeFigureOut">
               <a:rPr lang="en-US" smtClean="0"/>
-              <a:t>11/21/2024</a:t>
+              <a:t>3/4/2025</a:t>
             </a:fld>
             <a:endParaRPr lang="en-US"/>
           </a:p>
@@ -2268,7 +2268,7 @@
           <a:p>
             <a:fld id="{71087A05-F855-4434-8DDE-39A8542098A6}" type="datetimeFigureOut">
               <a:rPr lang="en-US" smtClean="0"/>
-              <a:t>11/21/2024</a:t>
+              <a:t>3/4/2025</a:t>
             </a:fld>
             <a:endParaRPr lang="en-US"/>
           </a:p>
@@ -2441,7 +2441,7 @@
           <a:p>
             <a:fld id="{71087A05-F855-4434-8DDE-39A8542098A6}" type="datetimeFigureOut">
               <a:rPr lang="en-US" smtClean="0"/>
-              <a:t>11/21/2024</a:t>
+              <a:t>3/4/2025</a:t>
             </a:fld>
             <a:endParaRPr lang="en-US"/>
           </a:p>
@@ -2578,7 +2578,7 @@
           <a:p>
             <a:fld id="{71087A05-F855-4434-8DDE-39A8542098A6}" type="datetimeFigureOut">
               <a:rPr lang="en-US" smtClean="0"/>
-              <a:t>11/21/2024</a:t>
+              <a:t>3/4/2025</a:t>
             </a:fld>
             <a:endParaRPr lang="en-US"/>
           </a:p>
@@ -2922,7 +2922,7 @@
           <a:p>
             <a:fld id="{71087A05-F855-4434-8DDE-39A8542098A6}" type="datetimeFigureOut">
               <a:rPr lang="en-US" smtClean="0"/>
-              <a:t>11/21/2024</a:t>
+              <a:t>3/4/2025</a:t>
             </a:fld>
             <a:endParaRPr lang="en-US"/>
           </a:p>
@@ -3246,7 +3246,7 @@
           <a:p>
             <a:fld id="{71087A05-F855-4434-8DDE-39A8542098A6}" type="datetimeFigureOut">
               <a:rPr lang="en-US" smtClean="0"/>
-              <a:t>11/21/2024</a:t>
+              <a:t>3/4/2025</a:t>
             </a:fld>
             <a:endParaRPr lang="en-US"/>
           </a:p>
@@ -3832,7 +3832,14 @@
           <a:p>
             <a:r>
               <a:rPr lang="en-US" dirty="0"/>
-              <a:t>CIT 361/CYBER 360: Advanced Scripting</a:t>
+              <a:t>CYBER 360: </a:t>
+            </a:r>
+            <a:br>
+              <a:rPr lang="en-US" dirty="0"/>
+            </a:br>
+            <a:r>
+              <a:rPr lang="en-US" dirty="0"/>
+              <a:t>Advanced Scripting</a:t>
             </a:r>
           </a:p>
         </p:txBody>
